--- a/z-docs/vizsgaremek-vedes.pptx
+++ b/z-docs/vizsgaremek-vedes.pptx
@@ -3839,6 +3839,54 @@
           </a:p>
         </p:txBody>
       </p:sp>
+      <p:cxnSp>
+        <p:nvCxnSpPr>
+          <p:cNvPr id="28" name="Egyenes összekötő nyíllal 27">
+            <a:extLst>
+              <a:ext uri="{FF2B5EF4-FFF2-40B4-BE49-F238E27FC236}">
+                <a16:creationId xmlns:a16="http://schemas.microsoft.com/office/drawing/2014/main" id="{13D49FDB-A8B6-4DD7-9CBA-D1D556D13F81}"/>
+              </a:ext>
+            </a:extLst>
+          </p:cNvPr>
+          <p:cNvCxnSpPr>
+            <a:cxnSpLocks/>
+            <a:stCxn id="5" idx="0"/>
+            <a:endCxn id="4" idx="2"/>
+          </p:cNvCxnSpPr>
+          <p:nvPr/>
+        </p:nvCxnSpPr>
+        <p:spPr>
+          <a:xfrm flipV="1">
+            <a:off x="6096000" y="2528888"/>
+            <a:ext cx="0" cy="533400"/>
+          </a:xfrm>
+          <a:prstGeom prst="straightConnector1">
+            <a:avLst/>
+          </a:prstGeom>
+          <a:ln w="28575">
+            <a:solidFill>
+              <a:schemeClr val="accent2">
+                <a:lumMod val="75000"/>
+              </a:schemeClr>
+            </a:solidFill>
+            <a:tailEnd type="triangle"/>
+          </a:ln>
+        </p:spPr>
+        <p:style>
+          <a:lnRef idx="1">
+            <a:schemeClr val="accent1"/>
+          </a:lnRef>
+          <a:fillRef idx="0">
+            <a:schemeClr val="accent1"/>
+          </a:fillRef>
+          <a:effectRef idx="0">
+            <a:schemeClr val="accent1"/>
+          </a:effectRef>
+          <a:fontRef idx="minor">
+            <a:schemeClr val="tx1"/>
+          </a:fontRef>
+        </p:style>
+      </p:cxnSp>
       <p:sp>
         <p:nvSpPr>
           <p:cNvPr id="5" name="Téglalap: lekerekített 4">
@@ -3943,6 +3991,196 @@
           </a:p>
         </p:txBody>
       </p:sp>
+      <p:cxnSp>
+        <p:nvCxnSpPr>
+          <p:cNvPr id="13" name="Egyenes összekötő nyíllal 12">
+            <a:extLst>
+              <a:ext uri="{FF2B5EF4-FFF2-40B4-BE49-F238E27FC236}">
+                <a16:creationId xmlns:a16="http://schemas.microsoft.com/office/drawing/2014/main" id="{F2F76394-410E-4DC7-9C5F-AC82DFF75953}"/>
+              </a:ext>
+            </a:extLst>
+          </p:cNvPr>
+          <p:cNvCxnSpPr>
+            <a:cxnSpLocks/>
+            <a:stCxn id="6" idx="0"/>
+          </p:cNvCxnSpPr>
+          <p:nvPr/>
+        </p:nvCxnSpPr>
+        <p:spPr>
+          <a:xfrm flipV="1">
+            <a:off x="4286250" y="3500438"/>
+            <a:ext cx="1645444" cy="762001"/>
+          </a:xfrm>
+          <a:prstGeom prst="straightConnector1">
+            <a:avLst/>
+          </a:prstGeom>
+          <a:ln w="28575">
+            <a:solidFill>
+              <a:schemeClr val="accent2">
+                <a:lumMod val="75000"/>
+              </a:schemeClr>
+            </a:solidFill>
+            <a:tailEnd type="triangle"/>
+          </a:ln>
+        </p:spPr>
+        <p:style>
+          <a:lnRef idx="1">
+            <a:schemeClr val="accent1"/>
+          </a:lnRef>
+          <a:fillRef idx="0">
+            <a:schemeClr val="accent1"/>
+          </a:fillRef>
+          <a:effectRef idx="0">
+            <a:schemeClr val="accent1"/>
+          </a:effectRef>
+          <a:fontRef idx="minor">
+            <a:schemeClr val="tx1"/>
+          </a:fontRef>
+        </p:style>
+      </p:cxnSp>
+      <p:cxnSp>
+        <p:nvCxnSpPr>
+          <p:cNvPr id="16" name="Egyenes összekötő nyíllal 15">
+            <a:extLst>
+              <a:ext uri="{FF2B5EF4-FFF2-40B4-BE49-F238E27FC236}">
+                <a16:creationId xmlns:a16="http://schemas.microsoft.com/office/drawing/2014/main" id="{769588D6-0B24-4000-9A03-14267D98A695}"/>
+              </a:ext>
+            </a:extLst>
+          </p:cNvPr>
+          <p:cNvCxnSpPr>
+            <a:cxnSpLocks/>
+            <a:stCxn id="7" idx="0"/>
+            <a:endCxn id="5" idx="2"/>
+          </p:cNvCxnSpPr>
+          <p:nvPr/>
+        </p:nvCxnSpPr>
+        <p:spPr>
+          <a:xfrm flipV="1">
+            <a:off x="6096000" y="3500438"/>
+            <a:ext cx="0" cy="762001"/>
+          </a:xfrm>
+          <a:prstGeom prst="straightConnector1">
+            <a:avLst/>
+          </a:prstGeom>
+          <a:ln w="28575">
+            <a:solidFill>
+              <a:schemeClr val="accent2">
+                <a:lumMod val="75000"/>
+              </a:schemeClr>
+            </a:solidFill>
+            <a:tailEnd type="triangle"/>
+          </a:ln>
+        </p:spPr>
+        <p:style>
+          <a:lnRef idx="1">
+            <a:schemeClr val="accent1"/>
+          </a:lnRef>
+          <a:fillRef idx="0">
+            <a:schemeClr val="accent1"/>
+          </a:fillRef>
+          <a:effectRef idx="0">
+            <a:schemeClr val="accent1"/>
+          </a:effectRef>
+          <a:fontRef idx="minor">
+            <a:schemeClr val="tx1"/>
+          </a:fontRef>
+        </p:style>
+      </p:cxnSp>
+      <p:cxnSp>
+        <p:nvCxnSpPr>
+          <p:cNvPr id="22" name="Egyenes összekötő nyíllal 21">
+            <a:extLst>
+              <a:ext uri="{FF2B5EF4-FFF2-40B4-BE49-F238E27FC236}">
+                <a16:creationId xmlns:a16="http://schemas.microsoft.com/office/drawing/2014/main" id="{62D25447-0040-4474-A2CC-66ABEDBEA555}"/>
+              </a:ext>
+            </a:extLst>
+          </p:cNvPr>
+          <p:cNvCxnSpPr>
+            <a:cxnSpLocks/>
+            <a:stCxn id="8" idx="0"/>
+          </p:cNvCxnSpPr>
+          <p:nvPr/>
+        </p:nvCxnSpPr>
+        <p:spPr>
+          <a:xfrm flipH="1" flipV="1">
+            <a:off x="6260307" y="3500438"/>
+            <a:ext cx="1645443" cy="762001"/>
+          </a:xfrm>
+          <a:prstGeom prst="straightConnector1">
+            <a:avLst/>
+          </a:prstGeom>
+          <a:ln w="28575">
+            <a:solidFill>
+              <a:schemeClr val="accent2">
+                <a:lumMod val="75000"/>
+              </a:schemeClr>
+            </a:solidFill>
+            <a:tailEnd type="triangle"/>
+          </a:ln>
+        </p:spPr>
+        <p:style>
+          <a:lnRef idx="1">
+            <a:schemeClr val="accent1"/>
+          </a:lnRef>
+          <a:fillRef idx="0">
+            <a:schemeClr val="accent1"/>
+          </a:fillRef>
+          <a:effectRef idx="0">
+            <a:schemeClr val="accent1"/>
+          </a:effectRef>
+          <a:fontRef idx="minor">
+            <a:schemeClr val="tx1"/>
+          </a:fontRef>
+        </p:style>
+      </p:cxnSp>
+      <p:sp>
+        <p:nvSpPr>
+          <p:cNvPr id="32" name="Cím 1">
+            <a:extLst>
+              <a:ext uri="{FF2B5EF4-FFF2-40B4-BE49-F238E27FC236}">
+                <a16:creationId xmlns:a16="http://schemas.microsoft.com/office/drawing/2014/main" id="{69497196-2CAB-4A9C-89C9-6F64EEA45227}"/>
+              </a:ext>
+            </a:extLst>
+          </p:cNvPr>
+          <p:cNvSpPr>
+            <a:spLocks noGrp="1"/>
+          </p:cNvSpPr>
+          <p:nvPr>
+            <p:ph type="title"/>
+          </p:nvPr>
+        </p:nvSpPr>
+        <p:spPr>
+          <a:xfrm>
+            <a:off x="838199" y="504825"/>
+            <a:ext cx="10515600" cy="568212"/>
+          </a:xfrm>
+        </p:spPr>
+        <p:txBody>
+          <a:bodyPr>
+            <a:noAutofit/>
+          </a:bodyPr>
+          <a:lstStyle/>
+          <a:p>
+            <a:pPr algn="ctr"/>
+            <a:r>
+              <a:rPr lang="hu-HU" sz="3600" dirty="0">
+                <a:solidFill>
+                  <a:schemeClr val="bg1"/>
+                </a:solidFill>
+                <a:effectLst>
+                  <a:outerShdw blurRad="38100" dist="38100" dir="2700000" algn="tl">
+                    <a:srgbClr val="000000">
+                      <a:alpha val="43137"/>
+                    </a:srgbClr>
+                  </a:outerShdw>
+                </a:effectLst>
+                <a:latin typeface="Berlin Sans FB Demi" panose="020E0802020502020306" pitchFamily="34" charset="0"/>
+              </a:rPr>
+              <a:t>GITHUB BRANCHEK</a:t>
+            </a:r>
+          </a:p>
+        </p:txBody>
+      </p:sp>
       <p:sp>
         <p:nvSpPr>
           <p:cNvPr id="6" name="Téglalap: lekerekített 5">
@@ -4252,244 +4490,6 @@
                 </a:innerShdw>
               </a:effectLst>
             </a:endParaRPr>
-          </a:p>
-        </p:txBody>
-      </p:sp>
-      <p:cxnSp>
-        <p:nvCxnSpPr>
-          <p:cNvPr id="13" name="Egyenes összekötő nyíllal 12">
-            <a:extLst>
-              <a:ext uri="{FF2B5EF4-FFF2-40B4-BE49-F238E27FC236}">
-                <a16:creationId xmlns:a16="http://schemas.microsoft.com/office/drawing/2014/main" id="{F2F76394-410E-4DC7-9C5F-AC82DFF75953}"/>
-              </a:ext>
-            </a:extLst>
-          </p:cNvPr>
-          <p:cNvCxnSpPr>
-            <a:cxnSpLocks/>
-            <a:stCxn id="6" idx="0"/>
-          </p:cNvCxnSpPr>
-          <p:nvPr/>
-        </p:nvCxnSpPr>
-        <p:spPr>
-          <a:xfrm flipV="1">
-            <a:off x="4286250" y="3500438"/>
-            <a:ext cx="1645444" cy="762001"/>
-          </a:xfrm>
-          <a:prstGeom prst="straightConnector1">
-            <a:avLst/>
-          </a:prstGeom>
-          <a:ln w="28575">
-            <a:solidFill>
-              <a:schemeClr val="accent2">
-                <a:lumMod val="75000"/>
-              </a:schemeClr>
-            </a:solidFill>
-            <a:tailEnd type="triangle"/>
-          </a:ln>
-        </p:spPr>
-        <p:style>
-          <a:lnRef idx="1">
-            <a:schemeClr val="accent1"/>
-          </a:lnRef>
-          <a:fillRef idx="0">
-            <a:schemeClr val="accent1"/>
-          </a:fillRef>
-          <a:effectRef idx="0">
-            <a:schemeClr val="accent1"/>
-          </a:effectRef>
-          <a:fontRef idx="minor">
-            <a:schemeClr val="tx1"/>
-          </a:fontRef>
-        </p:style>
-      </p:cxnSp>
-      <p:cxnSp>
-        <p:nvCxnSpPr>
-          <p:cNvPr id="16" name="Egyenes összekötő nyíllal 15">
-            <a:extLst>
-              <a:ext uri="{FF2B5EF4-FFF2-40B4-BE49-F238E27FC236}">
-                <a16:creationId xmlns:a16="http://schemas.microsoft.com/office/drawing/2014/main" id="{769588D6-0B24-4000-9A03-14267D98A695}"/>
-              </a:ext>
-            </a:extLst>
-          </p:cNvPr>
-          <p:cNvCxnSpPr>
-            <a:cxnSpLocks/>
-            <a:stCxn id="7" idx="0"/>
-            <a:endCxn id="5" idx="2"/>
-          </p:cNvCxnSpPr>
-          <p:nvPr/>
-        </p:nvCxnSpPr>
-        <p:spPr>
-          <a:xfrm flipV="1">
-            <a:off x="6096000" y="3500438"/>
-            <a:ext cx="0" cy="762001"/>
-          </a:xfrm>
-          <a:prstGeom prst="straightConnector1">
-            <a:avLst/>
-          </a:prstGeom>
-          <a:ln w="28575">
-            <a:solidFill>
-              <a:schemeClr val="accent2">
-                <a:lumMod val="75000"/>
-              </a:schemeClr>
-            </a:solidFill>
-            <a:tailEnd type="triangle"/>
-          </a:ln>
-        </p:spPr>
-        <p:style>
-          <a:lnRef idx="1">
-            <a:schemeClr val="accent1"/>
-          </a:lnRef>
-          <a:fillRef idx="0">
-            <a:schemeClr val="accent1"/>
-          </a:fillRef>
-          <a:effectRef idx="0">
-            <a:schemeClr val="accent1"/>
-          </a:effectRef>
-          <a:fontRef idx="minor">
-            <a:schemeClr val="tx1"/>
-          </a:fontRef>
-        </p:style>
-      </p:cxnSp>
-      <p:cxnSp>
-        <p:nvCxnSpPr>
-          <p:cNvPr id="22" name="Egyenes összekötő nyíllal 21">
-            <a:extLst>
-              <a:ext uri="{FF2B5EF4-FFF2-40B4-BE49-F238E27FC236}">
-                <a16:creationId xmlns:a16="http://schemas.microsoft.com/office/drawing/2014/main" id="{62D25447-0040-4474-A2CC-66ABEDBEA555}"/>
-              </a:ext>
-            </a:extLst>
-          </p:cNvPr>
-          <p:cNvCxnSpPr>
-            <a:cxnSpLocks/>
-            <a:stCxn id="8" idx="0"/>
-          </p:cNvCxnSpPr>
-          <p:nvPr/>
-        </p:nvCxnSpPr>
-        <p:spPr>
-          <a:xfrm flipH="1" flipV="1">
-            <a:off x="6260307" y="3500438"/>
-            <a:ext cx="1645443" cy="762001"/>
-          </a:xfrm>
-          <a:prstGeom prst="straightConnector1">
-            <a:avLst/>
-          </a:prstGeom>
-          <a:ln w="28575">
-            <a:solidFill>
-              <a:schemeClr val="accent2">
-                <a:lumMod val="75000"/>
-              </a:schemeClr>
-            </a:solidFill>
-            <a:tailEnd type="triangle"/>
-          </a:ln>
-        </p:spPr>
-        <p:style>
-          <a:lnRef idx="1">
-            <a:schemeClr val="accent1"/>
-          </a:lnRef>
-          <a:fillRef idx="0">
-            <a:schemeClr val="accent1"/>
-          </a:fillRef>
-          <a:effectRef idx="0">
-            <a:schemeClr val="accent1"/>
-          </a:effectRef>
-          <a:fontRef idx="minor">
-            <a:schemeClr val="tx1"/>
-          </a:fontRef>
-        </p:style>
-      </p:cxnSp>
-      <p:cxnSp>
-        <p:nvCxnSpPr>
-          <p:cNvPr id="28" name="Egyenes összekötő nyíllal 27">
-            <a:extLst>
-              <a:ext uri="{FF2B5EF4-FFF2-40B4-BE49-F238E27FC236}">
-                <a16:creationId xmlns:a16="http://schemas.microsoft.com/office/drawing/2014/main" id="{13D49FDB-A8B6-4DD7-9CBA-D1D556D13F81}"/>
-              </a:ext>
-            </a:extLst>
-          </p:cNvPr>
-          <p:cNvCxnSpPr>
-            <a:cxnSpLocks/>
-            <a:stCxn id="5" idx="0"/>
-            <a:endCxn id="4" idx="2"/>
-          </p:cNvCxnSpPr>
-          <p:nvPr/>
-        </p:nvCxnSpPr>
-        <p:spPr>
-          <a:xfrm flipV="1">
-            <a:off x="6096000" y="2528888"/>
-            <a:ext cx="0" cy="533400"/>
-          </a:xfrm>
-          <a:prstGeom prst="straightConnector1">
-            <a:avLst/>
-          </a:prstGeom>
-          <a:ln w="28575">
-            <a:solidFill>
-              <a:schemeClr val="accent2">
-                <a:lumMod val="75000"/>
-              </a:schemeClr>
-            </a:solidFill>
-            <a:tailEnd type="triangle"/>
-          </a:ln>
-        </p:spPr>
-        <p:style>
-          <a:lnRef idx="1">
-            <a:schemeClr val="accent1"/>
-          </a:lnRef>
-          <a:fillRef idx="0">
-            <a:schemeClr val="accent1"/>
-          </a:fillRef>
-          <a:effectRef idx="0">
-            <a:schemeClr val="accent1"/>
-          </a:effectRef>
-          <a:fontRef idx="minor">
-            <a:schemeClr val="tx1"/>
-          </a:fontRef>
-        </p:style>
-      </p:cxnSp>
-      <p:sp>
-        <p:nvSpPr>
-          <p:cNvPr id="32" name="Cím 1">
-            <a:extLst>
-              <a:ext uri="{FF2B5EF4-FFF2-40B4-BE49-F238E27FC236}">
-                <a16:creationId xmlns:a16="http://schemas.microsoft.com/office/drawing/2014/main" id="{69497196-2CAB-4A9C-89C9-6F64EEA45227}"/>
-              </a:ext>
-            </a:extLst>
-          </p:cNvPr>
-          <p:cNvSpPr>
-            <a:spLocks noGrp="1"/>
-          </p:cNvSpPr>
-          <p:nvPr>
-            <p:ph type="title"/>
-          </p:nvPr>
-        </p:nvSpPr>
-        <p:spPr>
-          <a:xfrm>
-            <a:off x="838199" y="504825"/>
-            <a:ext cx="10515600" cy="568212"/>
-          </a:xfrm>
-        </p:spPr>
-        <p:txBody>
-          <a:bodyPr>
-            <a:noAutofit/>
-          </a:bodyPr>
-          <a:lstStyle/>
-          <a:p>
-            <a:pPr algn="ctr"/>
-            <a:r>
-              <a:rPr lang="hu-HU" sz="3600" dirty="0">
-                <a:solidFill>
-                  <a:schemeClr val="bg1"/>
-                </a:solidFill>
-                <a:effectLst>
-                  <a:outerShdw blurRad="38100" dist="38100" dir="2700000" algn="tl">
-                    <a:srgbClr val="000000">
-                      <a:alpha val="43137"/>
-                    </a:srgbClr>
-                  </a:outerShdw>
-                </a:effectLst>
-                <a:latin typeface="Berlin Sans FB Demi" panose="020E0802020502020306" pitchFamily="34" charset="0"/>
-              </a:rPr>
-              <a:t>GITHUB BRANCHEK</a:t>
-            </a:r>
           </a:p>
         </p:txBody>
       </p:sp>
